--- a/Презентация.pptx
+++ b/Презентация.pptx
@@ -4719,7 +4719,7 @@
         </p:blipFill>
         <p:spPr>
           <a:xfrm>
-            <a:off x="4163627" y="2902998"/>
+            <a:off x="4286249" y="2950275"/>
             <a:ext cx="9490228" cy="3214157"/>
           </a:xfrm>
           <a:prstGeom prst="rect">
@@ -4727,6 +4727,116 @@
           </a:prstGeom>
         </p:spPr>
       </p:pic>
+      <p:sp>
+        <p:nvSpPr>
+          <p:cNvPr id="7" name="Текстово поле 6">
+            <a:extLst>
+              <a:ext uri="{FF2B5EF4-FFF2-40B4-BE49-F238E27FC236}">
+                <a16:creationId xmlns:a16="http://schemas.microsoft.com/office/drawing/2014/main" id="{89E3EDA2-59F3-4A97-A2F6-F82A14E7035E}"/>
+              </a:ext>
+            </a:extLst>
+          </p:cNvPr>
+          <p:cNvSpPr txBox="1"/>
+          <p:nvPr/>
+        </p:nvSpPr>
+        <p:spPr>
+          <a:xfrm>
+            <a:off x="6755907" y="693568"/>
+            <a:ext cx="3320248" cy="646331"/>
+          </a:xfrm>
+          <a:prstGeom prst="rect">
+            <a:avLst/>
+          </a:prstGeom>
+          <a:noFill/>
+        </p:spPr>
+        <p:txBody>
+          <a:bodyPr wrap="square">
+            <a:spAutoFit/>
+          </a:bodyPr>
+          <a:lstStyle/>
+          <a:p>
+            <a:r>
+              <a:rPr lang="en-US" b="1" dirty="0">
+                <a:latin typeface="Times New Roman" panose="02020603050405020304" pitchFamily="18" charset="0"/>
+                <a:cs typeface="Times New Roman" panose="02020603050405020304" pitchFamily="18" charset="0"/>
+                <a:hlinkClick r:id="rId6">
+                  <a:extLst>
+                    <a:ext uri="{A12FA001-AC4F-418D-AE19-62706E023703}">
+                      <ahyp:hlinkClr xmlns:ahyp="http://schemas.microsoft.com/office/drawing/2018/hyperlinkcolor" val="tx"/>
+                    </a:ext>
+                  </a:extLst>
+                </a:hlinkClick>
+              </a:rPr>
+              <a:t>https://github.com/MonikaDzehelepova/The-flags-of-the-world</a:t>
+            </a:r>
+            <a:r>
+              <a:rPr lang="bg-BG" b="1" dirty="0">
+                <a:latin typeface="Times New Roman" panose="02020603050405020304" pitchFamily="18" charset="0"/>
+                <a:cs typeface="Times New Roman" panose="02020603050405020304" pitchFamily="18" charset="0"/>
+              </a:rPr>
+              <a:t>  </a:t>
+            </a:r>
+          </a:p>
+        </p:txBody>
+      </p:sp>
+      <p:sp>
+        <p:nvSpPr>
+          <p:cNvPr id="9" name="Текстово поле 8">
+            <a:extLst>
+              <a:ext uri="{FF2B5EF4-FFF2-40B4-BE49-F238E27FC236}">
+                <a16:creationId xmlns:a16="http://schemas.microsoft.com/office/drawing/2014/main" id="{C6D86709-7A85-4262-9CAB-5A07AAD9795B}"/>
+              </a:ext>
+            </a:extLst>
+          </p:cNvPr>
+          <p:cNvSpPr txBox="1"/>
+          <p:nvPr/>
+        </p:nvSpPr>
+        <p:spPr>
+          <a:xfrm>
+            <a:off x="7317973" y="4022484"/>
+            <a:ext cx="3160450" cy="646331"/>
+          </a:xfrm>
+          <a:prstGeom prst="rect">
+            <a:avLst/>
+          </a:prstGeom>
+          <a:noFill/>
+        </p:spPr>
+        <p:txBody>
+          <a:bodyPr wrap="square">
+            <a:spAutoFit/>
+          </a:bodyPr>
+          <a:lstStyle/>
+          <a:p>
+            <a:r>
+              <a:rPr lang="en-US" b="1" i="0" dirty="0">
+                <a:effectLst/>
+                <a:latin typeface="Times New Roman" panose="02020603050405020304" pitchFamily="18" charset="0"/>
+                <a:cs typeface="Times New Roman" panose="02020603050405020304" pitchFamily="18" charset="0"/>
+                <a:hlinkClick r:id="rId7">
+                  <a:extLst>
+                    <a:ext uri="{A12FA001-AC4F-418D-AE19-62706E023703}">
+                      <ahyp:hlinkClr xmlns:ahyp="http://schemas.microsoft.com/office/drawing/2018/hyperlinkcolor" val="tx"/>
+                    </a:ext>
+                  </a:extLst>
+                </a:hlinkClick>
+              </a:rPr>
+              <a:t>https://www.tinkercad.com/things/8gZ08PgPwvw</a:t>
+            </a:r>
+            <a:r>
+              <a:rPr lang="bg-BG" b="1" i="0" dirty="0">
+                <a:effectLst/>
+                <a:latin typeface="Times New Roman" panose="02020603050405020304" pitchFamily="18" charset="0"/>
+                <a:cs typeface="Times New Roman" panose="02020603050405020304" pitchFamily="18" charset="0"/>
+              </a:rPr>
+              <a:t> </a:t>
+            </a:r>
+            <a:endParaRPr lang="bg-BG" b="1" dirty="0">
+              <a:latin typeface="Times New Roman" panose="02020603050405020304" pitchFamily="18" charset="0"/>
+              <a:cs typeface="Times New Roman" panose="02020603050405020304" pitchFamily="18" charset="0"/>
+            </a:endParaRPr>
+          </a:p>
+        </p:txBody>
+      </p:sp>
     </p:spTree>
     <p:extLst>
       <p:ext uri="{BB962C8B-B14F-4D97-AF65-F5344CB8AC3E}">
